--- a/Sustainability_from_Earth_to_Mars_Expanded_Blue.pptx
+++ b/Sustainability_from_Earth_to_Mars_Expanded_Blue.pptx
@@ -347,7 +347,7 @@
     </p:spTree>
     <p:extLst>
       <p:ext uri="{BB962C8B-B14F-4D97-AF65-F5344CB8AC3E}">
-        <p14:creationId xmlns:p14="http://schemas.microsoft.com/office/powerpoint/2010/main" xmlns="" val="3168075583"/>
+        <p14:creationId xmlns="" xmlns:p14="http://schemas.microsoft.com/office/powerpoint/2010/main" val="3168075583"/>
       </p:ext>
     </p:extLst>
   </p:cSld>
@@ -519,7 +519,7 @@
     </p:spTree>
     <p:extLst>
       <p:ext uri="{BB962C8B-B14F-4D97-AF65-F5344CB8AC3E}">
-        <p14:creationId xmlns:p14="http://schemas.microsoft.com/office/powerpoint/2010/main" xmlns="" val="2910927964"/>
+        <p14:creationId xmlns="" xmlns:p14="http://schemas.microsoft.com/office/powerpoint/2010/main" val="2910927964"/>
       </p:ext>
     </p:extLst>
   </p:cSld>
@@ -701,7 +701,7 @@
     </p:spTree>
     <p:extLst>
       <p:ext uri="{BB962C8B-B14F-4D97-AF65-F5344CB8AC3E}">
-        <p14:creationId xmlns:p14="http://schemas.microsoft.com/office/powerpoint/2010/main" xmlns="" val="3612223792"/>
+        <p14:creationId xmlns="" xmlns:p14="http://schemas.microsoft.com/office/powerpoint/2010/main" val="3612223792"/>
       </p:ext>
     </p:extLst>
   </p:cSld>
@@ -873,7 +873,7 @@
     </p:spTree>
     <p:extLst>
       <p:ext uri="{BB962C8B-B14F-4D97-AF65-F5344CB8AC3E}">
-        <p14:creationId xmlns:p14="http://schemas.microsoft.com/office/powerpoint/2010/main" xmlns="" val="2614314258"/>
+        <p14:creationId xmlns="" xmlns:p14="http://schemas.microsoft.com/office/powerpoint/2010/main" val="2614314258"/>
       </p:ext>
     </p:extLst>
   </p:cSld>
@@ -1121,7 +1121,7 @@
     </p:spTree>
     <p:extLst>
       <p:ext uri="{BB962C8B-B14F-4D97-AF65-F5344CB8AC3E}">
-        <p14:creationId xmlns:p14="http://schemas.microsoft.com/office/powerpoint/2010/main" xmlns="" val="960648375"/>
+        <p14:creationId xmlns="" xmlns:p14="http://schemas.microsoft.com/office/powerpoint/2010/main" val="960648375"/>
       </p:ext>
     </p:extLst>
   </p:cSld>
@@ -1411,7 +1411,7 @@
     </p:spTree>
     <p:extLst>
       <p:ext uri="{BB962C8B-B14F-4D97-AF65-F5344CB8AC3E}">
-        <p14:creationId xmlns:p14="http://schemas.microsoft.com/office/powerpoint/2010/main" xmlns="" val="2782244947"/>
+        <p14:creationId xmlns="" xmlns:p14="http://schemas.microsoft.com/office/powerpoint/2010/main" val="2782244947"/>
       </p:ext>
     </p:extLst>
   </p:cSld>
@@ -1835,7 +1835,7 @@
     </p:spTree>
     <p:extLst>
       <p:ext uri="{BB962C8B-B14F-4D97-AF65-F5344CB8AC3E}">
-        <p14:creationId xmlns:p14="http://schemas.microsoft.com/office/powerpoint/2010/main" xmlns="" val="990158736"/>
+        <p14:creationId xmlns="" xmlns:p14="http://schemas.microsoft.com/office/powerpoint/2010/main" val="990158736"/>
       </p:ext>
     </p:extLst>
   </p:cSld>
@@ -1955,7 +1955,7 @@
     </p:spTree>
     <p:extLst>
       <p:ext uri="{BB962C8B-B14F-4D97-AF65-F5344CB8AC3E}">
-        <p14:creationId xmlns:p14="http://schemas.microsoft.com/office/powerpoint/2010/main" xmlns="" val="727027711"/>
+        <p14:creationId xmlns="" xmlns:p14="http://schemas.microsoft.com/office/powerpoint/2010/main" val="727027711"/>
       </p:ext>
     </p:extLst>
   </p:cSld>
@@ -2052,7 +2052,7 @@
     </p:spTree>
     <p:extLst>
       <p:ext uri="{BB962C8B-B14F-4D97-AF65-F5344CB8AC3E}">
-        <p14:creationId xmlns:p14="http://schemas.microsoft.com/office/powerpoint/2010/main" xmlns="" val="1212999818"/>
+        <p14:creationId xmlns="" xmlns:p14="http://schemas.microsoft.com/office/powerpoint/2010/main" val="1212999818"/>
       </p:ext>
     </p:extLst>
   </p:cSld>
@@ -2331,7 +2331,7 @@
     </p:spTree>
     <p:extLst>
       <p:ext uri="{BB962C8B-B14F-4D97-AF65-F5344CB8AC3E}">
-        <p14:creationId xmlns:p14="http://schemas.microsoft.com/office/powerpoint/2010/main" xmlns="" val="1840726560"/>
+        <p14:creationId xmlns="" xmlns:p14="http://schemas.microsoft.com/office/powerpoint/2010/main" val="1840726560"/>
       </p:ext>
     </p:extLst>
   </p:cSld>
@@ -2586,7 +2586,7 @@
     </p:spTree>
     <p:extLst>
       <p:ext uri="{BB962C8B-B14F-4D97-AF65-F5344CB8AC3E}">
-        <p14:creationId xmlns:p14="http://schemas.microsoft.com/office/powerpoint/2010/main" xmlns="" val="3889236939"/>
+        <p14:creationId xmlns="" xmlns:p14="http://schemas.microsoft.com/office/powerpoint/2010/main" val="3889236939"/>
       </p:ext>
     </p:extLst>
   </p:cSld>
@@ -2837,7 +2837,7 @@
     </p:spTree>
     <p:extLst>
       <p:ext uri="{BB962C8B-B14F-4D97-AF65-F5344CB8AC3E}">
-        <p14:creationId xmlns:p14="http://schemas.microsoft.com/office/powerpoint/2010/main" xmlns="" val="2209977519"/>
+        <p14:creationId xmlns="" xmlns:p14="http://schemas.microsoft.com/office/powerpoint/2010/main" val="2209977519"/>
       </p:ext>
     </p:extLst>
   </p:cSld>
@@ -3228,11 +3228,97 @@
           </a:p>
         </p:txBody>
       </p:sp>
+      <p:sp>
+        <p:nvSpPr>
+          <p:cNvPr id="4" name="CaixaDeTexto 3"/>
+          <p:cNvSpPr txBox="1"/>
+          <p:nvPr/>
+        </p:nvSpPr>
+        <p:spPr>
+          <a:xfrm>
+            <a:off x="4997302" y="6126163"/>
+            <a:ext cx="3689498" cy="369332"/>
+          </a:xfrm>
+          <a:prstGeom prst="rect">
+            <a:avLst/>
+          </a:prstGeom>
+          <a:noFill/>
+          <a:effectLst>
+            <a:outerShdw blurRad="50800" dist="50800" dir="5400000" algn="ctr" rotWithShape="0">
+              <a:srgbClr val="000000">
+                <a:alpha val="54000"/>
+              </a:srgbClr>
+            </a:outerShdw>
+          </a:effectLst>
+        </p:spPr>
+        <p:txBody>
+          <a:bodyPr wrap="square" rtlCol="0">
+            <a:spAutoFit/>
+          </a:bodyPr>
+          <a:lstStyle/>
+          <a:p>
+            <a:r>
+              <a:rPr lang="pt-BR" dirty="0" err="1" smtClean="0">
+                <a:solidFill>
+                  <a:schemeClr val="bg1">
+                    <a:lumMod val="75000"/>
+                  </a:schemeClr>
+                </a:solidFill>
+              </a:rPr>
+              <a:t>Generated</a:t>
+            </a:r>
+            <a:r>
+              <a:rPr lang="pt-BR" dirty="0" smtClean="0">
+                <a:solidFill>
+                  <a:schemeClr val="bg1">
+                    <a:lumMod val="75000"/>
+                  </a:schemeClr>
+                </a:solidFill>
+              </a:rPr>
+              <a:t> </a:t>
+            </a:r>
+            <a:r>
+              <a:rPr lang="pt-BR" dirty="0" err="1" smtClean="0">
+                <a:solidFill>
+                  <a:schemeClr val="bg1">
+                    <a:lumMod val="75000"/>
+                  </a:schemeClr>
+                </a:solidFill>
+              </a:rPr>
+              <a:t>with</a:t>
+            </a:r>
+            <a:r>
+              <a:rPr lang="pt-BR" dirty="0" smtClean="0">
+                <a:solidFill>
+                  <a:schemeClr val="bg1">
+                    <a:lumMod val="75000"/>
+                  </a:schemeClr>
+                </a:solidFill>
+              </a:rPr>
+              <a:t> AI / Criado com IA</a:t>
+            </a:r>
+            <a:endParaRPr lang="pt-BR" dirty="0">
+              <a:solidFill>
+                <a:schemeClr val="bg1">
+                  <a:lumMod val="75000"/>
+                </a:schemeClr>
+              </a:solidFill>
+            </a:endParaRPr>
+          </a:p>
+        </p:txBody>
+      </p:sp>
     </p:spTree>
   </p:cSld>
   <p:clrMapOvr>
     <a:masterClrMapping/>
   </p:clrMapOvr>
+  <p:timing>
+    <p:tnLst>
+      <p:par>
+        <p:cTn id="1" dur="indefinite" restart="never" nodeType="tmRoot"/>
+      </p:par>
+    </p:tnLst>
+  </p:timing>
 </p:sld>
 </file>
 
@@ -3395,11 +3481,90 @@
           </a:p>
         </p:txBody>
       </p:sp>
+      <p:sp>
+        <p:nvSpPr>
+          <p:cNvPr id="4" name="CaixaDeTexto 3"/>
+          <p:cNvSpPr txBox="1"/>
+          <p:nvPr/>
+        </p:nvSpPr>
+        <p:spPr>
+          <a:xfrm>
+            <a:off x="5295014" y="6310829"/>
+            <a:ext cx="3848986" cy="369332"/>
+          </a:xfrm>
+          <a:prstGeom prst="rect">
+            <a:avLst/>
+          </a:prstGeom>
+          <a:noFill/>
+        </p:spPr>
+        <p:txBody>
+          <a:bodyPr wrap="square" rtlCol="0">
+            <a:spAutoFit/>
+          </a:bodyPr>
+          <a:lstStyle/>
+          <a:p>
+            <a:r>
+              <a:rPr lang="pt-BR" dirty="0" err="1" smtClean="0">
+                <a:solidFill>
+                  <a:schemeClr val="bg1">
+                    <a:lumMod val="75000"/>
+                  </a:schemeClr>
+                </a:solidFill>
+              </a:rPr>
+              <a:t>Generated</a:t>
+            </a:r>
+            <a:r>
+              <a:rPr lang="pt-BR" dirty="0" smtClean="0">
+                <a:solidFill>
+                  <a:schemeClr val="bg1">
+                    <a:lumMod val="75000"/>
+                  </a:schemeClr>
+                </a:solidFill>
+              </a:rPr>
+              <a:t> </a:t>
+            </a:r>
+            <a:r>
+              <a:rPr lang="pt-BR" dirty="0" err="1" smtClean="0">
+                <a:solidFill>
+                  <a:schemeClr val="bg1">
+                    <a:lumMod val="75000"/>
+                  </a:schemeClr>
+                </a:solidFill>
+              </a:rPr>
+              <a:t>with</a:t>
+            </a:r>
+            <a:r>
+              <a:rPr lang="pt-BR" dirty="0" smtClean="0">
+                <a:solidFill>
+                  <a:schemeClr val="bg1">
+                    <a:lumMod val="75000"/>
+                  </a:schemeClr>
+                </a:solidFill>
+              </a:rPr>
+              <a:t> AI / Criado com IA</a:t>
+            </a:r>
+            <a:endParaRPr lang="pt-BR" dirty="0">
+              <a:solidFill>
+                <a:schemeClr val="bg1">
+                  <a:lumMod val="75000"/>
+                </a:schemeClr>
+              </a:solidFill>
+            </a:endParaRPr>
+          </a:p>
+        </p:txBody>
+      </p:sp>
     </p:spTree>
   </p:cSld>
   <p:clrMapOvr>
     <a:masterClrMapping/>
   </p:clrMapOvr>
+  <p:timing>
+    <p:tnLst>
+      <p:par>
+        <p:cTn id="1" dur="indefinite" restart="never" nodeType="tmRoot"/>
+      </p:par>
+    </p:tnLst>
+  </p:timing>
 </p:sld>
 </file>
 
@@ -3549,6 +3714,78 @@
               </a:rPr>
               <a:t>The Terra satellite helps us understand Earth’s natural water balance, soil moisture, and atmospheric changes, guiding the creation of self-sustaining water cycles for Mars.</a:t>
             </a:r>
+          </a:p>
+        </p:txBody>
+      </p:sp>
+      <p:sp>
+        <p:nvSpPr>
+          <p:cNvPr id="4" name="CaixaDeTexto 3"/>
+          <p:cNvSpPr txBox="1"/>
+          <p:nvPr/>
+        </p:nvSpPr>
+        <p:spPr>
+          <a:xfrm>
+            <a:off x="5539563" y="6310829"/>
+            <a:ext cx="3604437" cy="369332"/>
+          </a:xfrm>
+          <a:prstGeom prst="rect">
+            <a:avLst/>
+          </a:prstGeom>
+          <a:noFill/>
+        </p:spPr>
+        <p:txBody>
+          <a:bodyPr wrap="square" rtlCol="0">
+            <a:spAutoFit/>
+          </a:bodyPr>
+          <a:lstStyle/>
+          <a:p>
+            <a:r>
+              <a:rPr lang="pt-BR" dirty="0" err="1" smtClean="0">
+                <a:solidFill>
+                  <a:schemeClr val="bg1">
+                    <a:lumMod val="75000"/>
+                  </a:schemeClr>
+                </a:solidFill>
+              </a:rPr>
+              <a:t>Generated</a:t>
+            </a:r>
+            <a:r>
+              <a:rPr lang="pt-BR" dirty="0" smtClean="0">
+                <a:solidFill>
+                  <a:schemeClr val="bg1">
+                    <a:lumMod val="75000"/>
+                  </a:schemeClr>
+                </a:solidFill>
+              </a:rPr>
+              <a:t> </a:t>
+            </a:r>
+            <a:r>
+              <a:rPr lang="pt-BR" dirty="0" err="1" smtClean="0">
+                <a:solidFill>
+                  <a:schemeClr val="bg1">
+                    <a:lumMod val="75000"/>
+                  </a:schemeClr>
+                </a:solidFill>
+              </a:rPr>
+              <a:t>with</a:t>
+            </a:r>
+            <a:r>
+              <a:rPr lang="pt-BR" dirty="0" smtClean="0">
+                <a:solidFill>
+                  <a:schemeClr val="bg1">
+                    <a:lumMod val="75000"/>
+                  </a:schemeClr>
+                </a:solidFill>
+              </a:rPr>
+              <a:t> AI / Criado com IA</a:t>
+            </a:r>
+            <a:endParaRPr lang="pt-BR" dirty="0">
+              <a:solidFill>
+                <a:schemeClr val="bg1">
+                  <a:lumMod val="75000"/>
+                </a:schemeClr>
+              </a:solidFill>
+            </a:endParaRPr>
           </a:p>
         </p:txBody>
       </p:sp>
@@ -3709,6 +3946,78 @@
           </a:p>
         </p:txBody>
       </p:sp>
+      <p:sp>
+        <p:nvSpPr>
+          <p:cNvPr id="4" name="CaixaDeTexto 3"/>
+          <p:cNvSpPr txBox="1"/>
+          <p:nvPr/>
+        </p:nvSpPr>
+        <p:spPr>
+          <a:xfrm>
+            <a:off x="5220586" y="6310829"/>
+            <a:ext cx="3466214" cy="369332"/>
+          </a:xfrm>
+          <a:prstGeom prst="rect">
+            <a:avLst/>
+          </a:prstGeom>
+          <a:noFill/>
+        </p:spPr>
+        <p:txBody>
+          <a:bodyPr wrap="square" rtlCol="0">
+            <a:spAutoFit/>
+          </a:bodyPr>
+          <a:lstStyle/>
+          <a:p>
+            <a:r>
+              <a:rPr lang="pt-BR" dirty="0" err="1" smtClean="0">
+                <a:solidFill>
+                  <a:schemeClr val="bg1">
+                    <a:lumMod val="75000"/>
+                  </a:schemeClr>
+                </a:solidFill>
+              </a:rPr>
+              <a:t>Generated</a:t>
+            </a:r>
+            <a:r>
+              <a:rPr lang="pt-BR" dirty="0" smtClean="0">
+                <a:solidFill>
+                  <a:schemeClr val="bg1">
+                    <a:lumMod val="75000"/>
+                  </a:schemeClr>
+                </a:solidFill>
+              </a:rPr>
+              <a:t> </a:t>
+            </a:r>
+            <a:r>
+              <a:rPr lang="pt-BR" dirty="0" err="1" smtClean="0">
+                <a:solidFill>
+                  <a:schemeClr val="bg1">
+                    <a:lumMod val="75000"/>
+                  </a:schemeClr>
+                </a:solidFill>
+              </a:rPr>
+              <a:t>with</a:t>
+            </a:r>
+            <a:r>
+              <a:rPr lang="pt-BR" dirty="0" smtClean="0">
+                <a:solidFill>
+                  <a:schemeClr val="bg1">
+                    <a:lumMod val="75000"/>
+                  </a:schemeClr>
+                </a:solidFill>
+              </a:rPr>
+              <a:t> AI / Criado com IA</a:t>
+            </a:r>
+            <a:endParaRPr lang="pt-BR" dirty="0">
+              <a:solidFill>
+                <a:schemeClr val="bg1">
+                  <a:lumMod val="75000"/>
+                </a:schemeClr>
+              </a:solidFill>
+            </a:endParaRPr>
+          </a:p>
+        </p:txBody>
+      </p:sp>
     </p:spTree>
   </p:cSld>
   <p:clrMapOvr>
@@ -3868,6 +4177,78 @@
           </a:p>
         </p:txBody>
       </p:sp>
+      <p:sp>
+        <p:nvSpPr>
+          <p:cNvPr id="4" name="CaixaDeTexto 3"/>
+          <p:cNvSpPr txBox="1"/>
+          <p:nvPr/>
+        </p:nvSpPr>
+        <p:spPr>
+          <a:xfrm>
+            <a:off x="5209953" y="6310829"/>
+            <a:ext cx="3476847" cy="369332"/>
+          </a:xfrm>
+          <a:prstGeom prst="rect">
+            <a:avLst/>
+          </a:prstGeom>
+          <a:noFill/>
+        </p:spPr>
+        <p:txBody>
+          <a:bodyPr wrap="square" rtlCol="0">
+            <a:spAutoFit/>
+          </a:bodyPr>
+          <a:lstStyle/>
+          <a:p>
+            <a:r>
+              <a:rPr lang="pt-BR" dirty="0" err="1" smtClean="0">
+                <a:solidFill>
+                  <a:schemeClr val="bg1">
+                    <a:lumMod val="75000"/>
+                  </a:schemeClr>
+                </a:solidFill>
+              </a:rPr>
+              <a:t>Generated</a:t>
+            </a:r>
+            <a:r>
+              <a:rPr lang="pt-BR" dirty="0" smtClean="0">
+                <a:solidFill>
+                  <a:schemeClr val="bg1">
+                    <a:lumMod val="75000"/>
+                  </a:schemeClr>
+                </a:solidFill>
+              </a:rPr>
+              <a:t> </a:t>
+            </a:r>
+            <a:r>
+              <a:rPr lang="pt-BR" dirty="0" err="1" smtClean="0">
+                <a:solidFill>
+                  <a:schemeClr val="bg1">
+                    <a:lumMod val="75000"/>
+                  </a:schemeClr>
+                </a:solidFill>
+              </a:rPr>
+              <a:t>with</a:t>
+            </a:r>
+            <a:r>
+              <a:rPr lang="pt-BR" dirty="0" smtClean="0">
+                <a:solidFill>
+                  <a:schemeClr val="bg1">
+                    <a:lumMod val="75000"/>
+                  </a:schemeClr>
+                </a:solidFill>
+              </a:rPr>
+              <a:t> AI / Criado com IA</a:t>
+            </a:r>
+            <a:endParaRPr lang="pt-BR" dirty="0">
+              <a:solidFill>
+                <a:schemeClr val="bg1">
+                  <a:lumMod val="75000"/>
+                </a:schemeClr>
+              </a:solidFill>
+            </a:endParaRPr>
+          </a:p>
+        </p:txBody>
+      </p:sp>
     </p:spTree>
   </p:cSld>
   <p:clrMapOvr>
@@ -4025,6 +4406,78 @@
           </a:p>
         </p:txBody>
       </p:sp>
+      <p:sp>
+        <p:nvSpPr>
+          <p:cNvPr id="4" name="CaixaDeTexto 3"/>
+          <p:cNvSpPr txBox="1"/>
+          <p:nvPr/>
+        </p:nvSpPr>
+        <p:spPr>
+          <a:xfrm>
+            <a:off x="5188688" y="6316644"/>
+            <a:ext cx="3498112" cy="380963"/>
+          </a:xfrm>
+          <a:prstGeom prst="rect">
+            <a:avLst/>
+          </a:prstGeom>
+          <a:noFill/>
+        </p:spPr>
+        <p:txBody>
+          <a:bodyPr wrap="square" rtlCol="0">
+            <a:spAutoFit/>
+          </a:bodyPr>
+          <a:lstStyle/>
+          <a:p>
+            <a:r>
+              <a:rPr lang="pt-BR" dirty="0" err="1" smtClean="0">
+                <a:solidFill>
+                  <a:schemeClr val="bg1">
+                    <a:lumMod val="75000"/>
+                  </a:schemeClr>
+                </a:solidFill>
+              </a:rPr>
+              <a:t>Generated</a:t>
+            </a:r>
+            <a:r>
+              <a:rPr lang="pt-BR" dirty="0" smtClean="0">
+                <a:solidFill>
+                  <a:schemeClr val="bg1">
+                    <a:lumMod val="75000"/>
+                  </a:schemeClr>
+                </a:solidFill>
+              </a:rPr>
+              <a:t> </a:t>
+            </a:r>
+            <a:r>
+              <a:rPr lang="pt-BR" dirty="0" err="1" smtClean="0">
+                <a:solidFill>
+                  <a:schemeClr val="bg1">
+                    <a:lumMod val="75000"/>
+                  </a:schemeClr>
+                </a:solidFill>
+              </a:rPr>
+              <a:t>with</a:t>
+            </a:r>
+            <a:r>
+              <a:rPr lang="pt-BR" dirty="0" smtClean="0">
+                <a:solidFill>
+                  <a:schemeClr val="bg1">
+                    <a:lumMod val="75000"/>
+                  </a:schemeClr>
+                </a:solidFill>
+              </a:rPr>
+              <a:t> AI / Criado com IA</a:t>
+            </a:r>
+            <a:endParaRPr lang="pt-BR" dirty="0">
+              <a:solidFill>
+                <a:schemeClr val="bg1">
+                  <a:lumMod val="75000"/>
+                </a:schemeClr>
+              </a:solidFill>
+            </a:endParaRPr>
+          </a:p>
+        </p:txBody>
+      </p:sp>
     </p:spTree>
   </p:cSld>
   <p:clrMapOvr>
@@ -4323,6 +4776,78 @@
               </a:rPr>
               <a:t>All sources are publicly accessible and used for educational and creative purposes.</a:t>
             </a:r>
+          </a:p>
+        </p:txBody>
+      </p:sp>
+      <p:sp>
+        <p:nvSpPr>
+          <p:cNvPr id="4" name="CaixaDeTexto 3"/>
+          <p:cNvSpPr txBox="1"/>
+          <p:nvPr/>
+        </p:nvSpPr>
+        <p:spPr>
+          <a:xfrm>
+            <a:off x="4933507" y="6310829"/>
+            <a:ext cx="3753293" cy="369332"/>
+          </a:xfrm>
+          <a:prstGeom prst="rect">
+            <a:avLst/>
+          </a:prstGeom>
+          <a:noFill/>
+        </p:spPr>
+        <p:txBody>
+          <a:bodyPr wrap="square" rtlCol="0">
+            <a:spAutoFit/>
+          </a:bodyPr>
+          <a:lstStyle/>
+          <a:p>
+            <a:r>
+              <a:rPr lang="pt-BR" dirty="0" err="1" smtClean="0">
+                <a:solidFill>
+                  <a:schemeClr val="bg1">
+                    <a:lumMod val="75000"/>
+                  </a:schemeClr>
+                </a:solidFill>
+              </a:rPr>
+              <a:t>Generated</a:t>
+            </a:r>
+            <a:r>
+              <a:rPr lang="pt-BR" dirty="0" smtClean="0">
+                <a:solidFill>
+                  <a:schemeClr val="bg1">
+                    <a:lumMod val="75000"/>
+                  </a:schemeClr>
+                </a:solidFill>
+              </a:rPr>
+              <a:t> </a:t>
+            </a:r>
+            <a:r>
+              <a:rPr lang="pt-BR" dirty="0" err="1" smtClean="0">
+                <a:solidFill>
+                  <a:schemeClr val="bg1">
+                    <a:lumMod val="75000"/>
+                  </a:schemeClr>
+                </a:solidFill>
+              </a:rPr>
+              <a:t>with</a:t>
+            </a:r>
+            <a:r>
+              <a:rPr lang="pt-BR" dirty="0" smtClean="0">
+                <a:solidFill>
+                  <a:schemeClr val="bg1">
+                    <a:lumMod val="75000"/>
+                  </a:schemeClr>
+                </a:solidFill>
+              </a:rPr>
+              <a:t> AI / Criado com IA</a:t>
+            </a:r>
+            <a:endParaRPr lang="pt-BR" dirty="0">
+              <a:solidFill>
+                <a:schemeClr val="bg1">
+                  <a:lumMod val="75000"/>
+                </a:schemeClr>
+              </a:solidFill>
+            </a:endParaRPr>
           </a:p>
         </p:txBody>
       </p:sp>

--- a/Sustainability_from_Earth_to_Mars_Expanded_Blue.pptx
+++ b/Sustainability_from_Earth_to_Mars_Expanded_Blue.pptx
@@ -347,7 +347,7 @@
     </p:spTree>
     <p:extLst>
       <p:ext uri="{BB962C8B-B14F-4D97-AF65-F5344CB8AC3E}">
-        <p14:creationId xmlns="" xmlns:p14="http://schemas.microsoft.com/office/powerpoint/2010/main" val="3168075583"/>
+        <p14:creationId xmlns:p14="http://schemas.microsoft.com/office/powerpoint/2010/main" xmlns="" val="3168075583"/>
       </p:ext>
     </p:extLst>
   </p:cSld>
@@ -519,7 +519,7 @@
     </p:spTree>
     <p:extLst>
       <p:ext uri="{BB962C8B-B14F-4D97-AF65-F5344CB8AC3E}">
-        <p14:creationId xmlns="" xmlns:p14="http://schemas.microsoft.com/office/powerpoint/2010/main" val="2910927964"/>
+        <p14:creationId xmlns:p14="http://schemas.microsoft.com/office/powerpoint/2010/main" xmlns="" val="2910927964"/>
       </p:ext>
     </p:extLst>
   </p:cSld>
@@ -701,7 +701,7 @@
     </p:spTree>
     <p:extLst>
       <p:ext uri="{BB962C8B-B14F-4D97-AF65-F5344CB8AC3E}">
-        <p14:creationId xmlns="" xmlns:p14="http://schemas.microsoft.com/office/powerpoint/2010/main" val="3612223792"/>
+        <p14:creationId xmlns:p14="http://schemas.microsoft.com/office/powerpoint/2010/main" xmlns="" val="3612223792"/>
       </p:ext>
     </p:extLst>
   </p:cSld>
@@ -873,7 +873,7 @@
     </p:spTree>
     <p:extLst>
       <p:ext uri="{BB962C8B-B14F-4D97-AF65-F5344CB8AC3E}">
-        <p14:creationId xmlns="" xmlns:p14="http://schemas.microsoft.com/office/powerpoint/2010/main" val="2614314258"/>
+        <p14:creationId xmlns:p14="http://schemas.microsoft.com/office/powerpoint/2010/main" xmlns="" val="2614314258"/>
       </p:ext>
     </p:extLst>
   </p:cSld>
@@ -1121,7 +1121,7 @@
     </p:spTree>
     <p:extLst>
       <p:ext uri="{BB962C8B-B14F-4D97-AF65-F5344CB8AC3E}">
-        <p14:creationId xmlns="" xmlns:p14="http://schemas.microsoft.com/office/powerpoint/2010/main" val="960648375"/>
+        <p14:creationId xmlns:p14="http://schemas.microsoft.com/office/powerpoint/2010/main" xmlns="" val="960648375"/>
       </p:ext>
     </p:extLst>
   </p:cSld>
@@ -1411,7 +1411,7 @@
     </p:spTree>
     <p:extLst>
       <p:ext uri="{BB962C8B-B14F-4D97-AF65-F5344CB8AC3E}">
-        <p14:creationId xmlns="" xmlns:p14="http://schemas.microsoft.com/office/powerpoint/2010/main" val="2782244947"/>
+        <p14:creationId xmlns:p14="http://schemas.microsoft.com/office/powerpoint/2010/main" xmlns="" val="2782244947"/>
       </p:ext>
     </p:extLst>
   </p:cSld>
@@ -1835,7 +1835,7 @@
     </p:spTree>
     <p:extLst>
       <p:ext uri="{BB962C8B-B14F-4D97-AF65-F5344CB8AC3E}">
-        <p14:creationId xmlns="" xmlns:p14="http://schemas.microsoft.com/office/powerpoint/2010/main" val="990158736"/>
+        <p14:creationId xmlns:p14="http://schemas.microsoft.com/office/powerpoint/2010/main" xmlns="" val="990158736"/>
       </p:ext>
     </p:extLst>
   </p:cSld>
@@ -1955,7 +1955,7 @@
     </p:spTree>
     <p:extLst>
       <p:ext uri="{BB962C8B-B14F-4D97-AF65-F5344CB8AC3E}">
-        <p14:creationId xmlns="" xmlns:p14="http://schemas.microsoft.com/office/powerpoint/2010/main" val="727027711"/>
+        <p14:creationId xmlns:p14="http://schemas.microsoft.com/office/powerpoint/2010/main" xmlns="" val="727027711"/>
       </p:ext>
     </p:extLst>
   </p:cSld>
@@ -2052,7 +2052,7 @@
     </p:spTree>
     <p:extLst>
       <p:ext uri="{BB962C8B-B14F-4D97-AF65-F5344CB8AC3E}">
-        <p14:creationId xmlns="" xmlns:p14="http://schemas.microsoft.com/office/powerpoint/2010/main" val="1212999818"/>
+        <p14:creationId xmlns:p14="http://schemas.microsoft.com/office/powerpoint/2010/main" xmlns="" val="1212999818"/>
       </p:ext>
     </p:extLst>
   </p:cSld>
@@ -2331,7 +2331,7 @@
     </p:spTree>
     <p:extLst>
       <p:ext uri="{BB962C8B-B14F-4D97-AF65-F5344CB8AC3E}">
-        <p14:creationId xmlns="" xmlns:p14="http://schemas.microsoft.com/office/powerpoint/2010/main" val="1840726560"/>
+        <p14:creationId xmlns:p14="http://schemas.microsoft.com/office/powerpoint/2010/main" xmlns="" val="1840726560"/>
       </p:ext>
     </p:extLst>
   </p:cSld>
@@ -2586,7 +2586,7 @@
     </p:spTree>
     <p:extLst>
       <p:ext uri="{BB962C8B-B14F-4D97-AF65-F5344CB8AC3E}">
-        <p14:creationId xmlns="" xmlns:p14="http://schemas.microsoft.com/office/powerpoint/2010/main" val="3889236939"/>
+        <p14:creationId xmlns:p14="http://schemas.microsoft.com/office/powerpoint/2010/main" xmlns="" val="3889236939"/>
       </p:ext>
     </p:extLst>
   </p:cSld>
@@ -2837,7 +2837,7 @@
     </p:spTree>
     <p:extLst>
       <p:ext uri="{BB962C8B-B14F-4D97-AF65-F5344CB8AC3E}">
-        <p14:creationId xmlns="" xmlns:p14="http://schemas.microsoft.com/office/powerpoint/2010/main" val="2209977519"/>
+        <p14:creationId xmlns:p14="http://schemas.microsoft.com/office/powerpoint/2010/main" xmlns="" val="2209977519"/>
       </p:ext>
     </p:extLst>
   </p:cSld>
@@ -4556,7 +4556,7 @@
         <p:spPr/>
         <p:txBody>
           <a:bodyPr>
-            <a:normAutofit lnSpcReduction="10000"/>
+            <a:normAutofit/>
           </a:bodyPr>
           <a:lstStyle/>
           <a:p>
@@ -4567,12 +4567,26 @@
                 </a:solidFill>
               </a:defRPr>
             </a:pPr>
+            <a:r>
+              <a:rPr lang="pt-BR" dirty="0" smtClean="0">
+                <a:latin typeface="Times New Roman" pitchFamily="18" charset="0"/>
+                <a:cs typeface="Times New Roman" pitchFamily="18" charset="0"/>
+              </a:rPr>
+              <a:t>  </a:t>
+            </a:r>
+            <a:r>
+              <a:rPr smtClean="0">
+                <a:latin typeface="Times New Roman" pitchFamily="18" charset="0"/>
+                <a:cs typeface="Times New Roman" pitchFamily="18" charset="0"/>
+              </a:rPr>
+              <a:t>Earth </a:t>
+            </a:r>
             <a:r>
               <a:rPr>
                 <a:latin typeface="Times New Roman" pitchFamily="18" charset="0"/>
                 <a:cs typeface="Times New Roman" pitchFamily="18" charset="0"/>
               </a:rPr>
-              <a:t>Earth &amp; Terra Satellite:</a:t>
+              <a:t>&amp; Terra Satellite:</a:t>
             </a:r>
           </a:p>
           <a:p>
@@ -4693,27 +4707,18 @@
               </a:defRPr>
             </a:pPr>
             <a:r>
+              <a:rPr smtClean="0">
+                <a:latin typeface="Times New Roman" pitchFamily="18" charset="0"/>
+                <a:cs typeface="Times New Roman" pitchFamily="18" charset="0"/>
+              </a:rPr>
+              <a:t>- </a:t>
+            </a:r>
+            <a:r>
               <a:rPr>
                 <a:latin typeface="Times New Roman" pitchFamily="18" charset="0"/>
                 <a:cs typeface="Times New Roman" pitchFamily="18" charset="0"/>
               </a:rPr>
-              <a:t>- https://www.sciencedirect.com/science/article/pii/S2950160124000287</a:t>
-            </a:r>
-          </a:p>
-          <a:p>
-            <a:pPr algn="l">
-              <a:defRPr sz="1800">
-                <a:solidFill>
-                  <a:srgbClr val="E6E6FA"/>
-                </a:solidFill>
-              </a:defRPr>
-            </a:pPr>
-            <a:r>
-              <a:rPr>
-                <a:latin typeface="Times New Roman" pitchFamily="18" charset="0"/>
-                <a:cs typeface="Times New Roman" pitchFamily="18" charset="0"/>
-              </a:rPr>
-              <a:t>- https://arxiv.org/abs/1907.09089</a:t>
+              <a:t>https://arxiv.org/abs/1907.09089</a:t>
             </a:r>
           </a:p>
           <a:p>

--- a/Sustainability_from_Earth_to_Mars_Expanded_Blue.pptx
+++ b/Sustainability_from_Earth_to_Mars_Expanded_Blue.pptx
@@ -347,7 +347,7 @@
     </p:spTree>
     <p:extLst>
       <p:ext uri="{BB962C8B-B14F-4D97-AF65-F5344CB8AC3E}">
-        <p14:creationId xmlns:p14="http://schemas.microsoft.com/office/powerpoint/2010/main" xmlns="" val="3168075583"/>
+        <p14:creationId xmlns="" xmlns:p14="http://schemas.microsoft.com/office/powerpoint/2010/main" val="3168075583"/>
       </p:ext>
     </p:extLst>
   </p:cSld>
@@ -519,7 +519,7 @@
     </p:spTree>
     <p:extLst>
       <p:ext uri="{BB962C8B-B14F-4D97-AF65-F5344CB8AC3E}">
-        <p14:creationId xmlns:p14="http://schemas.microsoft.com/office/powerpoint/2010/main" xmlns="" val="2910927964"/>
+        <p14:creationId xmlns="" xmlns:p14="http://schemas.microsoft.com/office/powerpoint/2010/main" val="2910927964"/>
       </p:ext>
     </p:extLst>
   </p:cSld>
@@ -701,7 +701,7 @@
     </p:spTree>
     <p:extLst>
       <p:ext uri="{BB962C8B-B14F-4D97-AF65-F5344CB8AC3E}">
-        <p14:creationId xmlns:p14="http://schemas.microsoft.com/office/powerpoint/2010/main" xmlns="" val="3612223792"/>
+        <p14:creationId xmlns="" xmlns:p14="http://schemas.microsoft.com/office/powerpoint/2010/main" val="3612223792"/>
       </p:ext>
     </p:extLst>
   </p:cSld>
@@ -873,7 +873,7 @@
     </p:spTree>
     <p:extLst>
       <p:ext uri="{BB962C8B-B14F-4D97-AF65-F5344CB8AC3E}">
-        <p14:creationId xmlns:p14="http://schemas.microsoft.com/office/powerpoint/2010/main" xmlns="" val="2614314258"/>
+        <p14:creationId xmlns="" xmlns:p14="http://schemas.microsoft.com/office/powerpoint/2010/main" val="2614314258"/>
       </p:ext>
     </p:extLst>
   </p:cSld>
@@ -1121,7 +1121,7 @@
     </p:spTree>
     <p:extLst>
       <p:ext uri="{BB962C8B-B14F-4D97-AF65-F5344CB8AC3E}">
-        <p14:creationId xmlns:p14="http://schemas.microsoft.com/office/powerpoint/2010/main" xmlns="" val="960648375"/>
+        <p14:creationId xmlns="" xmlns:p14="http://schemas.microsoft.com/office/powerpoint/2010/main" val="960648375"/>
       </p:ext>
     </p:extLst>
   </p:cSld>
@@ -1411,7 +1411,7 @@
     </p:spTree>
     <p:extLst>
       <p:ext uri="{BB962C8B-B14F-4D97-AF65-F5344CB8AC3E}">
-        <p14:creationId xmlns:p14="http://schemas.microsoft.com/office/powerpoint/2010/main" xmlns="" val="2782244947"/>
+        <p14:creationId xmlns="" xmlns:p14="http://schemas.microsoft.com/office/powerpoint/2010/main" val="2782244947"/>
       </p:ext>
     </p:extLst>
   </p:cSld>
@@ -1835,7 +1835,7 @@
     </p:spTree>
     <p:extLst>
       <p:ext uri="{BB962C8B-B14F-4D97-AF65-F5344CB8AC3E}">
-        <p14:creationId xmlns:p14="http://schemas.microsoft.com/office/powerpoint/2010/main" xmlns="" val="990158736"/>
+        <p14:creationId xmlns="" xmlns:p14="http://schemas.microsoft.com/office/powerpoint/2010/main" val="990158736"/>
       </p:ext>
     </p:extLst>
   </p:cSld>
@@ -1955,7 +1955,7 @@
     </p:spTree>
     <p:extLst>
       <p:ext uri="{BB962C8B-B14F-4D97-AF65-F5344CB8AC3E}">
-        <p14:creationId xmlns:p14="http://schemas.microsoft.com/office/powerpoint/2010/main" xmlns="" val="727027711"/>
+        <p14:creationId xmlns="" xmlns:p14="http://schemas.microsoft.com/office/powerpoint/2010/main" val="727027711"/>
       </p:ext>
     </p:extLst>
   </p:cSld>
@@ -2052,7 +2052,7 @@
     </p:spTree>
     <p:extLst>
       <p:ext uri="{BB962C8B-B14F-4D97-AF65-F5344CB8AC3E}">
-        <p14:creationId xmlns:p14="http://schemas.microsoft.com/office/powerpoint/2010/main" xmlns="" val="1212999818"/>
+        <p14:creationId xmlns="" xmlns:p14="http://schemas.microsoft.com/office/powerpoint/2010/main" val="1212999818"/>
       </p:ext>
     </p:extLst>
   </p:cSld>
@@ -2331,7 +2331,7 @@
     </p:spTree>
     <p:extLst>
       <p:ext uri="{BB962C8B-B14F-4D97-AF65-F5344CB8AC3E}">
-        <p14:creationId xmlns:p14="http://schemas.microsoft.com/office/powerpoint/2010/main" xmlns="" val="1840726560"/>
+        <p14:creationId xmlns="" xmlns:p14="http://schemas.microsoft.com/office/powerpoint/2010/main" val="1840726560"/>
       </p:ext>
     </p:extLst>
   </p:cSld>
@@ -2586,7 +2586,7 @@
     </p:spTree>
     <p:extLst>
       <p:ext uri="{BB962C8B-B14F-4D97-AF65-F5344CB8AC3E}">
-        <p14:creationId xmlns:p14="http://schemas.microsoft.com/office/powerpoint/2010/main" xmlns="" val="3889236939"/>
+        <p14:creationId xmlns="" xmlns:p14="http://schemas.microsoft.com/office/powerpoint/2010/main" val="3889236939"/>
       </p:ext>
     </p:extLst>
   </p:cSld>
@@ -2837,7 +2837,7 @@
     </p:spTree>
     <p:extLst>
       <p:ext uri="{BB962C8B-B14F-4D97-AF65-F5344CB8AC3E}">
-        <p14:creationId xmlns:p14="http://schemas.microsoft.com/office/powerpoint/2010/main" xmlns="" val="2209977519"/>
+        <p14:creationId xmlns="" xmlns:p14="http://schemas.microsoft.com/office/powerpoint/2010/main" val="2209977519"/>
       </p:ext>
     </p:extLst>
   </p:cSld>
@@ -3406,7 +3406,7 @@
           </a:bodyPr>
           <a:lstStyle/>
           <a:p>
-            <a:pPr algn="l">
+            <a:pPr algn="just">
               <a:defRPr sz="1800">
                 <a:solidFill>
                   <a:srgbClr val="E6E6FA"/>
@@ -3435,7 +3435,7 @@
             </a:endParaRPr>
           </a:p>
           <a:p>
-            <a:pPr algn="l">
+            <a:pPr algn="just">
               <a:defRPr sz="1800">
                 <a:solidFill>
                   <a:srgbClr val="E6E6FA"/>
@@ -3464,7 +3464,7 @@
             </a:endParaRPr>
           </a:p>
           <a:p>
-            <a:pPr algn="l">
+            <a:pPr algn="just">
               <a:defRPr sz="1800">
                 <a:solidFill>
                   <a:srgbClr val="E6E6FA"/>
@@ -3642,7 +3642,7 @@
           </a:bodyPr>
           <a:lstStyle/>
           <a:p>
-            <a:pPr algn="l">
+            <a:pPr algn="just">
               <a:defRPr sz="1800">
                 <a:solidFill>
                   <a:srgbClr val="E6E6FA"/>
@@ -3658,7 +3658,7 @@
             </a:r>
           </a:p>
           <a:p>
-            <a:pPr algn="l">
+            <a:pPr algn="just">
               <a:defRPr sz="1800">
                 <a:solidFill>
                   <a:srgbClr val="E6E6FA"/>
@@ -3671,7 +3671,7 @@
             </a:endParaRPr>
           </a:p>
           <a:p>
-            <a:pPr algn="l">
+            <a:pPr algn="just">
               <a:defRPr sz="1800">
                 <a:solidFill>
                   <a:srgbClr val="E6E6FA"/>
@@ -3687,7 +3687,7 @@
             </a:r>
           </a:p>
           <a:p>
-            <a:pPr algn="l">
+            <a:pPr algn="just">
               <a:defRPr sz="1800">
                 <a:solidFill>
                   <a:srgbClr val="E6E6FA"/>
@@ -3700,7 +3700,7 @@
             </a:endParaRPr>
           </a:p>
           <a:p>
-            <a:pPr algn="l">
+            <a:pPr algn="just">
               <a:defRPr sz="1800">
                 <a:solidFill>
                   <a:srgbClr val="E6E6FA"/>
@@ -3871,7 +3871,7 @@
           </a:bodyPr>
           <a:lstStyle/>
           <a:p>
-            <a:pPr algn="l">
+            <a:pPr algn="just">
               <a:defRPr sz="1800">
                 <a:solidFill>
                   <a:srgbClr val="E6E6FA"/>
@@ -3887,7 +3887,7 @@
             </a:r>
           </a:p>
           <a:p>
-            <a:pPr algn="l">
+            <a:pPr algn="just">
               <a:defRPr sz="1800">
                 <a:solidFill>
                   <a:srgbClr val="E6E6FA"/>
@@ -3900,7 +3900,7 @@
             </a:endParaRPr>
           </a:p>
           <a:p>
-            <a:pPr algn="l">
+            <a:pPr algn="just">
               <a:defRPr sz="1800">
                 <a:solidFill>
                   <a:srgbClr val="E6E6FA"/>
@@ -3916,7 +3916,7 @@
             </a:r>
           </a:p>
           <a:p>
-            <a:pPr algn="l">
+            <a:pPr algn="just">
               <a:defRPr sz="1800">
                 <a:solidFill>
                   <a:srgbClr val="E6E6FA"/>
@@ -3929,7 +3929,7 @@
             </a:endParaRPr>
           </a:p>
           <a:p>
-            <a:pPr algn="l">
+            <a:pPr algn="just">
               <a:defRPr sz="1800">
                 <a:solidFill>
                   <a:srgbClr val="E6E6FA"/>
@@ -4102,7 +4102,7 @@
           </a:bodyPr>
           <a:lstStyle/>
           <a:p>
-            <a:pPr algn="l">
+            <a:pPr algn="just">
               <a:defRPr sz="1800">
                 <a:solidFill>
                   <a:srgbClr val="E6E6FA"/>
@@ -4118,7 +4118,7 @@
             </a:r>
           </a:p>
           <a:p>
-            <a:pPr algn="l">
+            <a:pPr algn="just">
               <a:defRPr sz="1800">
                 <a:solidFill>
                   <a:srgbClr val="E6E6FA"/>
@@ -4131,7 +4131,7 @@
             </a:endParaRPr>
           </a:p>
           <a:p>
-            <a:pPr algn="l">
+            <a:pPr algn="just">
               <a:defRPr sz="1800">
                 <a:solidFill>
                   <a:srgbClr val="E6E6FA"/>
@@ -4147,7 +4147,7 @@
             </a:r>
           </a:p>
           <a:p>
-            <a:pPr algn="l">
+            <a:pPr algn="just">
               <a:defRPr sz="1800">
                 <a:solidFill>
                   <a:srgbClr val="E6E6FA"/>
@@ -4160,7 +4160,7 @@
             </a:endParaRPr>
           </a:p>
           <a:p>
-            <a:pPr algn="l">
+            <a:pPr algn="just">
               <a:defRPr sz="1800">
                 <a:solidFill>
                   <a:srgbClr val="E6E6FA"/>
@@ -4331,7 +4331,7 @@
           </a:bodyPr>
           <a:lstStyle/>
           <a:p>
-            <a:pPr algn="l">
+            <a:pPr algn="just">
               <a:defRPr sz="1800">
                 <a:solidFill>
                   <a:srgbClr val="E6E6FA"/>
@@ -4347,7 +4347,7 @@
             </a:r>
           </a:p>
           <a:p>
-            <a:pPr algn="l">
+            <a:pPr algn="just">
               <a:defRPr sz="1800">
                 <a:solidFill>
                   <a:srgbClr val="E6E6FA"/>
@@ -4360,7 +4360,7 @@
             </a:endParaRPr>
           </a:p>
           <a:p>
-            <a:pPr algn="l">
+            <a:pPr algn="just">
               <a:defRPr sz="1800">
                 <a:solidFill>
                   <a:srgbClr val="E6E6FA"/>
@@ -4376,7 +4376,7 @@
             </a:r>
           </a:p>
           <a:p>
-            <a:pPr algn="l">
+            <a:pPr algn="just">
               <a:defRPr sz="1800">
                 <a:solidFill>
                   <a:srgbClr val="E6E6FA"/>
@@ -4389,7 +4389,7 @@
             </a:endParaRPr>
           </a:p>
           <a:p>
-            <a:pPr algn="l">
+            <a:pPr algn="just">
               <a:defRPr sz="1800">
                 <a:solidFill>
                   <a:srgbClr val="E6E6FA"/>
